--- a/Report.pptx
+++ b/Report.pptx
@@ -13,8 +13,6 @@
     <p:sldId id="261" r:id="rId8"/>
     <p:sldId id="262" r:id="rId9"/>
     <p:sldId id="263" r:id="rId10"/>
-    <p:sldId id="264" r:id="rId11"/>
-    <p:sldId id="265" r:id="rId12"/>
   </p:sldIdLst>
   <p:sldSz cx="12192000" cy="6858000"/>
   <p:notesSz cx="12192000" cy="6858000"/>
@@ -4569,7 +4567,514 @@
 </p:sld>
 </file>
 
-<file path=ppt/slides/slide10.xml><?xml version="1.0" encoding="utf-8"?>
+<file path=ppt/slides/slide2.xml><?xml version="1.0" encoding="utf-8"?>
+<p:sld xmlns:a="http://schemas.openxmlformats.org/drawingml/2006/main" xmlns:r="http://schemas.openxmlformats.org/officeDocument/2006/relationships" xmlns:p="http://schemas.openxmlformats.org/presentationml/2006/main" xmlns:m="http://schemas.openxmlformats.org/officeDocument/2006/math" xmlns:w="http://schemas.openxmlformats.org/wordprocessingml/2006/main" showMasterPhAnim="0" show="1">
+  <p:cSld name="">
+    <p:spTree>
+      <p:nvGrpSpPr>
+        <p:cNvPr id="1" name=""/>
+        <p:cNvGrpSpPr/>
+        <p:nvPr/>
+      </p:nvGrpSpPr>
+      <p:grpSpPr bwMode="auto">
+        <a:xfrm>
+          <a:off x="0" y="0"/>
+          <a:ext cx="0" cy="0"/>
+          <a:chOff x="0" y="0"/>
+          <a:chExt cx="0" cy="0"/>
+        </a:xfrm>
+      </p:grpSpPr>
+      <p:sp>
+        <p:nvSpPr>
+          <p:cNvPr id="315961792" name="Title 1"/>
+          <p:cNvSpPr>
+            <a:spLocks noGrp="1"/>
+          </p:cNvSpPr>
+          <p:nvPr>
+            <p:ph type="title"/>
+          </p:nvPr>
+        </p:nvSpPr>
+        <p:spPr bwMode="auto"/>
+        <p:txBody>
+          <a:bodyPr/>
+          <a:lstStyle/>
+          <a:p>
+            <a:pPr>
+              <a:defRPr/>
+            </a:pPr>
+            <a:r>
+              <a:rPr b="1"/>
+              <a:t>Функция </a:t>
+            </a:r>
+            <a:r>
+              <a:rPr lang="en-US" sz="4400" b="1" i="0" u="none" strike="noStrike" cap="none" spc="0">
+                <a:solidFill>
+                  <a:schemeClr val="tx1"/>
+                </a:solidFill>
+                <a:latin typeface="Arial"/>
+                <a:cs typeface="Arial"/>
+              </a:rPr>
+              <a:t>is_kers_collision</a:t>
+            </a:r>
+            <a:r>
+              <a:rPr b="1"/>
+              <a:t>()</a:t>
+            </a:r>
+            <a:endParaRPr b="1"/>
+          </a:p>
+        </p:txBody>
+      </p:sp>
+      <p:sp>
+        <p:nvSpPr>
+          <p:cNvPr id="571341017" name="Content Placeholder 2"/>
+          <p:cNvSpPr>
+            <a:spLocks noGrp="1"/>
+          </p:cNvSpPr>
+          <p:nvPr>
+            <p:ph idx="1"/>
+          </p:nvPr>
+        </p:nvSpPr>
+        <p:spPr bwMode="auto"/>
+        <p:txBody>
+          <a:bodyPr/>
+          <a:lstStyle/>
+          <a:p>
+            <a:pPr marL="0" indent="0">
+              <a:buFont typeface="Arial"/>
+              <a:buNone/>
+              <a:defRPr/>
+            </a:pPr>
+            <a:r>
+              <a:rPr/>
+              <a:t>Возвращает булево значение. Проверяет, пересекутся ли траектории ядер — если нет, то искать скорость нет смысла.</a:t>
+            </a:r>
+            <a:endParaRPr/>
+          </a:p>
+        </p:txBody>
+      </p:sp>
+    </p:spTree>
+  </p:cSld>
+  <p:clrMapOvr>
+    <a:masterClrMapping/>
+  </p:clrMapOvr>
+  <mc:AlternateContent xmlns:mc="http://schemas.openxmlformats.org/markup-compatibility/2006">
+    <mc:Choice xmlns:p14="http://schemas.microsoft.com/office/powerpoint/2010/main" Requires="p14">
+      <p:transition p14:dur="2000" advClick="1"/>
+    </mc:Choice>
+    <mc:Fallback>
+      <p:transition advClick="1"/>
+    </mc:Fallback>
+  </mc:AlternateContent>
+</p:sld>
+</file>
+
+<file path=ppt/slides/slide3.xml><?xml version="1.0" encoding="utf-8"?>
+<p:sld xmlns:a="http://schemas.openxmlformats.org/drawingml/2006/main" xmlns:r="http://schemas.openxmlformats.org/officeDocument/2006/relationships" xmlns:p="http://schemas.openxmlformats.org/presentationml/2006/main" xmlns:m="http://schemas.openxmlformats.org/officeDocument/2006/math" xmlns:w="http://schemas.openxmlformats.org/wordprocessingml/2006/main" showMasterPhAnim="0" show="1">
+  <p:cSld name="">
+    <p:spTree>
+      <p:nvGrpSpPr>
+        <p:cNvPr id="1" name=""/>
+        <p:cNvGrpSpPr/>
+        <p:nvPr/>
+      </p:nvGrpSpPr>
+      <p:grpSpPr bwMode="auto">
+        <a:xfrm>
+          <a:off x="0" y="0"/>
+          <a:ext cx="0" cy="0"/>
+          <a:chOff x="0" y="0"/>
+          <a:chExt cx="0" cy="0"/>
+        </a:xfrm>
+      </p:grpSpPr>
+      <p:sp>
+        <p:nvSpPr>
+          <p:cNvPr id="1400704777" name="Title 1"/>
+          <p:cNvSpPr>
+            <a:spLocks noGrp="1"/>
+          </p:cNvSpPr>
+          <p:nvPr>
+            <p:ph type="title"/>
+          </p:nvPr>
+        </p:nvSpPr>
+        <p:spPr bwMode="auto"/>
+        <p:txBody>
+          <a:bodyPr/>
+          <a:lstStyle/>
+          <a:p>
+            <a:pPr>
+              <a:defRPr/>
+            </a:pPr>
+            <a:r>
+              <a:rPr b="1"/>
+              <a:t>Функция </a:t>
+            </a:r>
+            <a:r>
+              <a:rPr lang="en-US" sz="4400" b="1" i="0" u="none" strike="noStrike" cap="none" spc="0">
+                <a:solidFill>
+                  <a:schemeClr val="tx1"/>
+                </a:solidFill>
+                <a:latin typeface="Arial"/>
+                <a:cs typeface="Arial"/>
+              </a:rPr>
+              <a:t>get_coords</a:t>
+            </a:r>
+            <a:r>
+              <a:rPr b="1"/>
+              <a:t>()</a:t>
+            </a:r>
+            <a:endParaRPr b="1"/>
+          </a:p>
+        </p:txBody>
+      </p:sp>
+      <p:sp>
+        <p:nvSpPr>
+          <p:cNvPr id="1834222748" name="Content Placeholder 2"/>
+          <p:cNvSpPr>
+            <a:spLocks noGrp="1"/>
+          </p:cNvSpPr>
+          <p:nvPr>
+            <p:ph idx="1"/>
+          </p:nvPr>
+        </p:nvSpPr>
+        <p:spPr bwMode="auto"/>
+        <p:txBody>
+          <a:bodyPr/>
+          <a:lstStyle/>
+          <a:p>
+            <a:pPr marL="0" indent="0">
+              <a:buFont typeface="Arial"/>
+              <a:buNone/>
+              <a:defRPr/>
+            </a:pPr>
+            <a:r>
+              <a:rPr/>
+              <a:t>Возвращает координаты ядер каждый момент до столкновения (затем они записываются в output.csv), необходима для рисования графиков.</a:t>
+            </a:r>
+            <a:endParaRPr/>
+          </a:p>
+        </p:txBody>
+      </p:sp>
+    </p:spTree>
+  </p:cSld>
+  <p:clrMapOvr>
+    <a:masterClrMapping/>
+  </p:clrMapOvr>
+  <mc:AlternateContent xmlns:mc="http://schemas.openxmlformats.org/markup-compatibility/2006">
+    <mc:Choice xmlns:p14="http://schemas.microsoft.com/office/powerpoint/2010/main" Requires="p14">
+      <p:transition p14:dur="2000" advClick="1"/>
+    </mc:Choice>
+    <mc:Fallback>
+      <p:transition advClick="1"/>
+    </mc:Fallback>
+  </mc:AlternateContent>
+</p:sld>
+</file>
+
+<file path=ppt/slides/slide4.xml><?xml version="1.0" encoding="utf-8"?>
+<p:sld xmlns:a="http://schemas.openxmlformats.org/drawingml/2006/main" xmlns:r="http://schemas.openxmlformats.org/officeDocument/2006/relationships" xmlns:p="http://schemas.openxmlformats.org/presentationml/2006/main" xmlns:m="http://schemas.openxmlformats.org/officeDocument/2006/math" xmlns:w="http://schemas.openxmlformats.org/wordprocessingml/2006/main" showMasterPhAnim="0" show="1">
+  <p:cSld name="">
+    <p:spTree>
+      <p:nvGrpSpPr>
+        <p:cNvPr id="1" name=""/>
+        <p:cNvGrpSpPr/>
+        <p:nvPr/>
+      </p:nvGrpSpPr>
+      <p:grpSpPr bwMode="auto">
+        <a:xfrm>
+          <a:off x="0" y="0"/>
+          <a:ext cx="0" cy="0"/>
+          <a:chOff x="0" y="0"/>
+          <a:chExt cx="0" cy="0"/>
+        </a:xfrm>
+      </p:grpSpPr>
+      <p:sp>
+        <p:nvSpPr>
+          <p:cNvPr id="1625878423" name="Title 1"/>
+          <p:cNvSpPr>
+            <a:spLocks noGrp="1"/>
+          </p:cNvSpPr>
+          <p:nvPr>
+            <p:ph type="title"/>
+          </p:nvPr>
+        </p:nvSpPr>
+        <p:spPr bwMode="auto"/>
+        <p:txBody>
+          <a:bodyPr/>
+          <a:lstStyle/>
+          <a:p>
+            <a:pPr>
+              <a:defRPr/>
+            </a:pPr>
+            <a:r>
+              <a:rPr/>
+              <a:t>Основной цикл</a:t>
+            </a:r>
+            <a:endParaRPr/>
+          </a:p>
+        </p:txBody>
+      </p:sp>
+      <p:sp>
+        <p:nvSpPr>
+          <p:cNvPr id="7305374" name="Content Placeholder 2"/>
+          <p:cNvSpPr>
+            <a:spLocks noGrp="1"/>
+          </p:cNvSpPr>
+          <p:nvPr>
+            <p:ph idx="1"/>
+          </p:nvPr>
+        </p:nvSpPr>
+        <p:spPr bwMode="auto"/>
+        <p:txBody>
+          <a:bodyPr/>
+          <a:lstStyle/>
+          <a:p>
+            <a:pPr marL="0" indent="0">
+              <a:buFont typeface="Arial"/>
+              <a:buNone/>
+              <a:defRPr/>
+            </a:pPr>
+            <a:r>
+              <a:rPr/>
+              <a:t>Перебираем возможные координаты скорости второго ядра (вложенный цикл по x и y). Если координаты ядер для данной скорости пересекаются, то выводим смоделированные координаты. И так для каждой подходящей скорости. Нашли следующие возможные:</a:t>
+            </a:r>
+            <a:endParaRPr/>
+          </a:p>
+          <a:p>
+            <a:pPr marL="0" indent="0">
+              <a:buFont typeface="Arial"/>
+              <a:buNone/>
+              <a:defRPr/>
+            </a:pPr>
+            <a:r>
+              <a:rPr/>
+              <a:t>(4, 10), (7, 10), (9, 10).</a:t>
+            </a:r>
+            <a:endParaRPr/>
+          </a:p>
+        </p:txBody>
+      </p:sp>
+    </p:spTree>
+  </p:cSld>
+  <p:clrMapOvr>
+    <a:masterClrMapping/>
+  </p:clrMapOvr>
+  <mc:AlternateContent xmlns:mc="http://schemas.openxmlformats.org/markup-compatibility/2006">
+    <mc:Choice xmlns:p14="http://schemas.microsoft.com/office/powerpoint/2010/main" Requires="p14">
+      <p:transition p14:dur="2000" advClick="1"/>
+    </mc:Choice>
+    <mc:Fallback>
+      <p:transition advClick="1"/>
+    </mc:Fallback>
+  </mc:AlternateContent>
+</p:sld>
+</file>
+
+<file path=ppt/slides/slide5.xml><?xml version="1.0" encoding="utf-8"?>
+<p:sld xmlns:a="http://schemas.openxmlformats.org/drawingml/2006/main" xmlns:r="http://schemas.openxmlformats.org/officeDocument/2006/relationships" xmlns:p="http://schemas.openxmlformats.org/presentationml/2006/main" xmlns:m="http://schemas.openxmlformats.org/officeDocument/2006/math" xmlns:w="http://schemas.openxmlformats.org/wordprocessingml/2006/main" showMasterPhAnim="0" show="1">
+  <p:cSld name="">
+    <p:spTree>
+      <p:nvGrpSpPr>
+        <p:cNvPr id="1" name=""/>
+        <p:cNvGrpSpPr/>
+        <p:nvPr/>
+      </p:nvGrpSpPr>
+      <p:grpSpPr bwMode="auto">
+        <a:xfrm>
+          <a:off x="0" y="0"/>
+          <a:ext cx="0" cy="0"/>
+          <a:chOff x="0" y="0"/>
+          <a:chExt cx="0" cy="0"/>
+        </a:xfrm>
+      </p:grpSpPr>
+      <p:sp>
+        <p:nvSpPr>
+          <p:cNvPr id="551449094" name="Title 1"/>
+          <p:cNvSpPr>
+            <a:spLocks noGrp="1"/>
+          </p:cNvSpPr>
+          <p:nvPr>
+            <p:ph type="title"/>
+          </p:nvPr>
+        </p:nvSpPr>
+        <p:spPr bwMode="auto"/>
+        <p:txBody>
+          <a:bodyPr/>
+          <a:lstStyle/>
+          <a:p>
+            <a:pPr>
+              <a:defRPr/>
+            </a:pPr>
+            <a:r>
+              <a:rPr/>
+              <a:t>График для (4, 10)</a:t>
+            </a:r>
+            <a:endParaRPr/>
+          </a:p>
+        </p:txBody>
+      </p:sp>
+      <p:sp>
+        <p:nvSpPr>
+          <p:cNvPr id="412642328" name="Content Placeholder 2"/>
+          <p:cNvSpPr>
+            <a:spLocks noGrp="1"/>
+          </p:cNvSpPr>
+          <p:nvPr>
+            <p:ph idx="1"/>
+          </p:nvPr>
+        </p:nvSpPr>
+        <p:spPr bwMode="auto"/>
+        <p:txBody>
+          <a:bodyPr/>
+          <a:lstStyle/>
+          <a:p>
+            <a:pPr>
+              <a:defRPr/>
+            </a:pPr>
+            <a:endParaRPr/>
+          </a:p>
+        </p:txBody>
+      </p:sp>
+      <p:pic>
+        <p:nvPicPr>
+          <p:cNvPr id="260971465" name=""/>
+          <p:cNvPicPr>
+            <a:picLocks noChangeAspect="1"/>
+          </p:cNvPicPr>
+          <p:nvPr/>
+        </p:nvPicPr>
+        <p:blipFill>
+          <a:blip r:embed="rId2"/>
+          <a:stretch/>
+        </p:blipFill>
+        <p:spPr bwMode="auto">
+          <a:xfrm flipH="0" flipV="0">
+            <a:off x="838198" y="1485106"/>
+            <a:ext cx="8946444" cy="5032374"/>
+          </a:xfrm>
+          <a:prstGeom prst="rect">
+            <a:avLst/>
+          </a:prstGeom>
+        </p:spPr>
+      </p:pic>
+    </p:spTree>
+  </p:cSld>
+  <p:clrMapOvr>
+    <a:masterClrMapping/>
+  </p:clrMapOvr>
+  <mc:AlternateContent xmlns:mc="http://schemas.openxmlformats.org/markup-compatibility/2006">
+    <mc:Choice xmlns:p14="http://schemas.microsoft.com/office/powerpoint/2010/main" Requires="p14">
+      <p:transition p14:dur="2000" advClick="1"/>
+    </mc:Choice>
+    <mc:Fallback>
+      <p:transition advClick="1"/>
+    </mc:Fallback>
+  </mc:AlternateContent>
+</p:sld>
+</file>
+
+<file path=ppt/slides/slide6.xml><?xml version="1.0" encoding="utf-8"?>
+<p:sld xmlns:a="http://schemas.openxmlformats.org/drawingml/2006/main" xmlns:r="http://schemas.openxmlformats.org/officeDocument/2006/relationships" xmlns:p="http://schemas.openxmlformats.org/presentationml/2006/main" xmlns:m="http://schemas.openxmlformats.org/officeDocument/2006/math" xmlns:w="http://schemas.openxmlformats.org/wordprocessingml/2006/main" showMasterPhAnim="0" show="1">
+  <p:cSld name="">
+    <p:spTree>
+      <p:nvGrpSpPr>
+        <p:cNvPr id="1" name=""/>
+        <p:cNvGrpSpPr/>
+        <p:nvPr/>
+      </p:nvGrpSpPr>
+      <p:grpSpPr bwMode="auto">
+        <a:xfrm>
+          <a:off x="0" y="0"/>
+          <a:ext cx="0" cy="0"/>
+          <a:chOff x="0" y="0"/>
+          <a:chExt cx="0" cy="0"/>
+        </a:xfrm>
+      </p:grpSpPr>
+      <p:sp>
+        <p:nvSpPr>
+          <p:cNvPr id="557304888" name="Title 1"/>
+          <p:cNvSpPr>
+            <a:spLocks noGrp="1"/>
+          </p:cNvSpPr>
+          <p:nvPr>
+            <p:ph type="title"/>
+          </p:nvPr>
+        </p:nvSpPr>
+        <p:spPr bwMode="auto"/>
+        <p:txBody>
+          <a:bodyPr/>
+          <a:lstStyle/>
+          <a:p>
+            <a:pPr>
+              <a:defRPr/>
+            </a:pPr>
+            <a:r>
+              <a:rPr/>
+              <a:t>График для (7, 10)</a:t>
+            </a:r>
+            <a:endParaRPr/>
+          </a:p>
+        </p:txBody>
+      </p:sp>
+      <p:sp>
+        <p:nvSpPr>
+          <p:cNvPr id="2083505558" name="Content Placeholder 2"/>
+          <p:cNvSpPr>
+            <a:spLocks noGrp="1"/>
+          </p:cNvSpPr>
+          <p:nvPr>
+            <p:ph idx="1"/>
+          </p:nvPr>
+        </p:nvSpPr>
+        <p:spPr bwMode="auto"/>
+        <p:txBody>
+          <a:bodyPr/>
+          <a:lstStyle/>
+          <a:p>
+            <a:pPr>
+              <a:defRPr/>
+            </a:pPr>
+            <a:endParaRPr/>
+          </a:p>
+        </p:txBody>
+      </p:sp>
+      <p:pic>
+        <p:nvPicPr>
+          <p:cNvPr id="79126186" name=""/>
+          <p:cNvPicPr>
+            <a:picLocks noChangeAspect="1"/>
+          </p:cNvPicPr>
+          <p:nvPr/>
+        </p:nvPicPr>
+        <p:blipFill>
+          <a:blip r:embed="rId2"/>
+          <a:stretch/>
+        </p:blipFill>
+        <p:spPr bwMode="auto">
+          <a:xfrm flipH="0" flipV="0">
+            <a:off x="889821" y="1572087"/>
+            <a:ext cx="8710104" cy="4899434"/>
+          </a:xfrm>
+          <a:prstGeom prst="rect">
+            <a:avLst/>
+          </a:prstGeom>
+        </p:spPr>
+      </p:pic>
+    </p:spTree>
+  </p:cSld>
+  <p:clrMapOvr>
+    <a:masterClrMapping/>
+  </p:clrMapOvr>
+  <mc:AlternateContent xmlns:mc="http://schemas.openxmlformats.org/markup-compatibility/2006">
+    <mc:Choice xmlns:p14="http://schemas.microsoft.com/office/powerpoint/2010/main" Requires="p14">
+      <p:transition p14:dur="2000" advClick="1"/>
+    </mc:Choice>
+    <mc:Fallback>
+      <p:transition advClick="1"/>
+    </mc:Fallback>
+  </mc:AlternateContent>
+</p:sld>
+</file>
+
+<file path=ppt/slides/slide7.xml><?xml version="1.0" encoding="utf-8"?>
 <p:sld xmlns:a="http://schemas.openxmlformats.org/drawingml/2006/main" xmlns:r="http://schemas.openxmlformats.org/officeDocument/2006/relationships" xmlns:p="http://schemas.openxmlformats.org/presentationml/2006/main" xmlns:m="http://schemas.openxmlformats.org/officeDocument/2006/math" xmlns:w="http://schemas.openxmlformats.org/wordprocessingml/2006/main" showMasterPhAnim="0" show="1">
   <p:cSld name="">
     <p:spTree>
@@ -4672,685 +5177,6 @@
 </p:sld>
 </file>
 
-<file path=ppt/slides/slide2.xml><?xml version="1.0" encoding="utf-8"?>
-<p:sld xmlns:a="http://schemas.openxmlformats.org/drawingml/2006/main" xmlns:r="http://schemas.openxmlformats.org/officeDocument/2006/relationships" xmlns:p="http://schemas.openxmlformats.org/presentationml/2006/main" xmlns:m="http://schemas.openxmlformats.org/officeDocument/2006/math" xmlns:w="http://schemas.openxmlformats.org/wordprocessingml/2006/main" showMasterPhAnim="0" show="1">
-  <p:cSld name="">
-    <p:spTree>
-      <p:nvGrpSpPr>
-        <p:cNvPr id="1" name=""/>
-        <p:cNvGrpSpPr/>
-        <p:nvPr/>
-      </p:nvGrpSpPr>
-      <p:grpSpPr bwMode="auto">
-        <a:xfrm>
-          <a:off x="0" y="0"/>
-          <a:ext cx="0" cy="0"/>
-          <a:chOff x="0" y="0"/>
-          <a:chExt cx="0" cy="0"/>
-        </a:xfrm>
-      </p:grpSpPr>
-      <p:sp>
-        <p:nvSpPr>
-          <p:cNvPr id="1159857141" name="Title 1"/>
-          <p:cNvSpPr>
-            <a:spLocks noGrp="1"/>
-          </p:cNvSpPr>
-          <p:nvPr>
-            <p:ph type="title"/>
-          </p:nvPr>
-        </p:nvSpPr>
-        <p:spPr bwMode="auto"/>
-        <p:txBody>
-          <a:bodyPr/>
-          <a:lstStyle/>
-          <a:p>
-            <a:pPr>
-              <a:defRPr/>
-            </a:pPr>
-            <a:r>
-              <a:rPr/>
-              <a:t>Постановка задачи.</a:t>
-            </a:r>
-            <a:endParaRPr/>
-          </a:p>
-        </p:txBody>
-      </p:sp>
-      <p:sp>
-        <p:nvSpPr>
-          <p:cNvPr id="1276867265" name="Content Placeholder 2"/>
-          <p:cNvSpPr>
-            <a:spLocks noGrp="1"/>
-          </p:cNvSpPr>
-          <p:nvPr>
-            <p:ph idx="1"/>
-          </p:nvPr>
-        </p:nvSpPr>
-        <p:spPr bwMode="auto"/>
-        <p:txBody>
-          <a:bodyPr/>
-          <a:lstStyle/>
-          <a:p>
-            <a:pPr marL="0" indent="0">
-              <a:buFont typeface="Arial"/>
-              <a:buNone/>
-              <a:defRPr/>
-            </a:pPr>
-            <a:r>
-              <a:rPr/>
-              <a:t>Нам даны положения двух артиллерийских орудий (cannon 1 и cannon 2) и скорость ядра первого. Стреляет первая пушка. Ориентируясь на звук (имеем задержку по времени), выстреливает вторая — так, чтобы ядра столкнулись и барон Мюнгхаузен успел перелезть с одного на другое (делает это он мгновенно).</a:t>
-            </a:r>
-            <a:endParaRPr/>
-          </a:p>
-          <a:p>
-            <a:pPr marL="0" indent="0">
-              <a:buFont typeface="Arial"/>
-              <a:buNone/>
-              <a:defRPr/>
-            </a:pPr>
-            <a:r>
-              <a:rPr/>
-              <a:t>Найти необходимую скорость второго ядра.</a:t>
-            </a:r>
-            <a:endParaRPr/>
-          </a:p>
-        </p:txBody>
-      </p:sp>
-    </p:spTree>
-  </p:cSld>
-  <p:clrMapOvr>
-    <a:masterClrMapping/>
-  </p:clrMapOvr>
-  <mc:AlternateContent xmlns:mc="http://schemas.openxmlformats.org/markup-compatibility/2006">
-    <mc:Choice xmlns:p14="http://schemas.microsoft.com/office/powerpoint/2010/main" Requires="p14">
-      <p:transition p14:dur="2000" advClick="1"/>
-    </mc:Choice>
-    <mc:Fallback>
-      <p:transition advClick="1"/>
-    </mc:Fallback>
-  </mc:AlternateContent>
-</p:sld>
-</file>
-
-<file path=ppt/slides/slide3.xml><?xml version="1.0" encoding="utf-8"?>
-<p:sld xmlns:a="http://schemas.openxmlformats.org/drawingml/2006/main" xmlns:r="http://schemas.openxmlformats.org/officeDocument/2006/relationships" xmlns:p="http://schemas.openxmlformats.org/presentationml/2006/main" xmlns:m="http://schemas.openxmlformats.org/officeDocument/2006/math" xmlns:w="http://schemas.openxmlformats.org/wordprocessingml/2006/main" showMasterPhAnim="0" show="1">
-  <p:cSld name="">
-    <p:spTree>
-      <p:nvGrpSpPr>
-        <p:cNvPr id="1" name=""/>
-        <p:cNvGrpSpPr/>
-        <p:nvPr/>
-      </p:nvGrpSpPr>
-      <p:grpSpPr bwMode="auto">
-        <a:xfrm>
-          <a:off x="0" y="0"/>
-          <a:ext cx="0" cy="0"/>
-          <a:chOff x="0" y="0"/>
-          <a:chExt cx="0" cy="0"/>
-        </a:xfrm>
-      </p:grpSpPr>
-      <p:sp>
-        <p:nvSpPr>
-          <p:cNvPr id="820697282" name="Title 1"/>
-          <p:cNvSpPr>
-            <a:spLocks noGrp="1"/>
-          </p:cNvSpPr>
-          <p:nvPr>
-            <p:ph type="title"/>
-          </p:nvPr>
-        </p:nvSpPr>
-        <p:spPr bwMode="auto"/>
-        <p:txBody>
-          <a:bodyPr/>
-          <a:lstStyle/>
-          <a:p>
-            <a:pPr>
-              <a:defRPr/>
-            </a:pPr>
-            <a:r>
-              <a:rPr/>
-              <a:t>Структура Rdec2D (вектор)</a:t>
-            </a:r>
-            <a:endParaRPr/>
-          </a:p>
-        </p:txBody>
-      </p:sp>
-      <p:sp>
-        <p:nvSpPr>
-          <p:cNvPr id="375501052" name="Content Placeholder 2"/>
-          <p:cNvSpPr>
-            <a:spLocks noGrp="1"/>
-          </p:cNvSpPr>
-          <p:nvPr>
-            <p:ph idx="1"/>
-          </p:nvPr>
-        </p:nvSpPr>
-        <p:spPr bwMode="auto"/>
-        <p:txBody>
-          <a:bodyPr/>
-          <a:lstStyle/>
-          <a:p>
-            <a:pPr marL="0" indent="0">
-              <a:buFont typeface="Arial"/>
-              <a:buNone/>
-              <a:defRPr/>
-            </a:pPr>
-            <a:r>
-              <a:rPr/>
-              <a:t>Реализация геометрического вектора. Методы:</a:t>
-            </a:r>
-            <a:endParaRPr/>
-          </a:p>
-          <a:p>
-            <a:pPr>
-              <a:defRPr/>
-            </a:pPr>
-            <a:r>
-              <a:rPr/>
-              <a:t>Вывод;</a:t>
-            </a:r>
-            <a:endParaRPr/>
-          </a:p>
-          <a:p>
-            <a:pPr>
-              <a:defRPr/>
-            </a:pPr>
-            <a:r>
-              <a:rPr/>
-              <a:t>Сложение и вычитание с другими векторами;</a:t>
-            </a:r>
-            <a:endParaRPr/>
-          </a:p>
-          <a:p>
-            <a:pPr>
-              <a:defRPr/>
-            </a:pPr>
-            <a:r>
-              <a:rPr/>
-              <a:t>Умножение и деление на скаляр.</a:t>
-            </a:r>
-            <a:endParaRPr/>
-          </a:p>
-          <a:p>
-            <a:pPr marL="0" indent="0">
-              <a:buFont typeface="Arial"/>
-              <a:buNone/>
-              <a:defRPr/>
-            </a:pPr>
-            <a:r>
-              <a:rPr/>
-              <a:t>Поля (двумерный вектор):</a:t>
-            </a:r>
-            <a:endParaRPr/>
-          </a:p>
-          <a:p>
-            <a:pPr>
-              <a:defRPr/>
-            </a:pPr>
-            <a:r>
-              <a:rPr/>
-              <a:t>X, координата по оси абсцисс;</a:t>
-            </a:r>
-            <a:endParaRPr/>
-          </a:p>
-          <a:p>
-            <a:pPr>
-              <a:defRPr/>
-            </a:pPr>
-            <a:r>
-              <a:rPr/>
-              <a:t>Y, координата по оси ординат.</a:t>
-            </a:r>
-            <a:endParaRPr/>
-          </a:p>
-          <a:p>
-            <a:pPr>
-              <a:defRPr/>
-            </a:pPr>
-            <a:endParaRPr/>
-          </a:p>
-        </p:txBody>
-      </p:sp>
-    </p:spTree>
-  </p:cSld>
-  <p:clrMapOvr>
-    <a:masterClrMapping/>
-  </p:clrMapOvr>
-  <mc:AlternateContent xmlns:mc="http://schemas.openxmlformats.org/markup-compatibility/2006">
-    <mc:Choice xmlns:p14="http://schemas.microsoft.com/office/powerpoint/2010/main" Requires="p14">
-      <p:transition p14:dur="2000" advClick="1"/>
-    </mc:Choice>
-    <mc:Fallback>
-      <p:transition advClick="1"/>
-    </mc:Fallback>
-  </mc:AlternateContent>
-</p:sld>
-</file>
-
-<file path=ppt/slides/slide4.xml><?xml version="1.0" encoding="utf-8"?>
-<p:sld xmlns:a="http://schemas.openxmlformats.org/drawingml/2006/main" xmlns:r="http://schemas.openxmlformats.org/officeDocument/2006/relationships" xmlns:p="http://schemas.openxmlformats.org/presentationml/2006/main" xmlns:m="http://schemas.openxmlformats.org/officeDocument/2006/math" xmlns:w="http://schemas.openxmlformats.org/wordprocessingml/2006/main" showMasterPhAnim="0" show="1">
-  <p:cSld name="">
-    <p:spTree>
-      <p:nvGrpSpPr>
-        <p:cNvPr id="1" name=""/>
-        <p:cNvGrpSpPr/>
-        <p:nvPr/>
-      </p:nvGrpSpPr>
-      <p:grpSpPr bwMode="auto">
-        <a:xfrm>
-          <a:off x="0" y="0"/>
-          <a:ext cx="0" cy="0"/>
-          <a:chOff x="0" y="0"/>
-          <a:chExt cx="0" cy="0"/>
-        </a:xfrm>
-      </p:grpSpPr>
-      <p:sp>
-        <p:nvSpPr>
-          <p:cNvPr id="1006600117" name="Title 1"/>
-          <p:cNvSpPr>
-            <a:spLocks noGrp="1"/>
-          </p:cNvSpPr>
-          <p:nvPr>
-            <p:ph type="title"/>
-          </p:nvPr>
-        </p:nvSpPr>
-        <p:spPr bwMode="auto"/>
-        <p:txBody>
-          <a:bodyPr/>
-          <a:lstStyle/>
-          <a:p>
-            <a:pPr>
-              <a:defRPr/>
-            </a:pPr>
-            <a:r>
-              <a:rPr/>
-              <a:t>Структура State</a:t>
-            </a:r>
-            <a:endParaRPr/>
-          </a:p>
-        </p:txBody>
-      </p:sp>
-      <p:sp>
-        <p:nvSpPr>
-          <p:cNvPr id="1423737725" name="Content Placeholder 2"/>
-          <p:cNvSpPr>
-            <a:spLocks noGrp="1"/>
-          </p:cNvSpPr>
-          <p:nvPr>
-            <p:ph idx="1"/>
-          </p:nvPr>
-        </p:nvSpPr>
-        <p:spPr bwMode="auto"/>
-        <p:txBody>
-          <a:bodyPr/>
-          <a:lstStyle/>
-          <a:p>
-            <a:pPr marL="0" indent="0">
-              <a:buFont typeface="Arial"/>
-              <a:buNone/>
-              <a:defRPr/>
-            </a:pPr>
-            <a:r>
-              <a:rPr lang="en-US" sz="2800" b="0" i="0" u="none" strike="noStrike" cap="none" spc="0">
-                <a:solidFill>
-                  <a:schemeClr val="tx1"/>
-                </a:solidFill>
-                <a:latin typeface="Arial"/>
-                <a:ea typeface="Arial"/>
-                <a:cs typeface="Arial"/>
-              </a:rPr>
-              <a:t>Совокупность сил, действующих на каждое орудие. Поля:</a:t>
-            </a:r>
-            <a:endParaRPr sz="2800"/>
-          </a:p>
-          <a:p>
-            <a:pPr>
-              <a:defRPr/>
-            </a:pPr>
-            <a:r>
-              <a:rPr/>
-              <a:t>Ускорение свободного падения (действует на ядро);</a:t>
-            </a:r>
-            <a:endParaRPr/>
-          </a:p>
-          <a:p>
-            <a:pPr>
-              <a:defRPr/>
-            </a:pPr>
-            <a:r>
-              <a:rPr/>
-              <a:t>Скорость ядра;</a:t>
-            </a:r>
-            <a:endParaRPr/>
-          </a:p>
-          <a:p>
-            <a:pPr>
-              <a:defRPr/>
-            </a:pPr>
-            <a:r>
-              <a:rPr/>
-              <a:t>Радиус-вектор (расположение артиллерийского орудия): началом системы координат будем считать 1 пушку, тогда её радиус-вектор является нулевым.</a:t>
-            </a:r>
-            <a:endParaRPr/>
-          </a:p>
-        </p:txBody>
-      </p:sp>
-    </p:spTree>
-  </p:cSld>
-  <p:clrMapOvr>
-    <a:masterClrMapping/>
-  </p:clrMapOvr>
-  <mc:AlternateContent xmlns:mc="http://schemas.openxmlformats.org/markup-compatibility/2006">
-    <mc:Choice xmlns:p14="http://schemas.microsoft.com/office/powerpoint/2010/main" Requires="p14">
-      <p:transition p14:dur="2000" advClick="1"/>
-    </mc:Choice>
-    <mc:Fallback>
-      <p:transition advClick="1"/>
-    </mc:Fallback>
-  </mc:AlternateContent>
-</p:sld>
-</file>
-
-<file path=ppt/slides/slide5.xml><?xml version="1.0" encoding="utf-8"?>
-<p:sld xmlns:a="http://schemas.openxmlformats.org/drawingml/2006/main" xmlns:r="http://schemas.openxmlformats.org/officeDocument/2006/relationships" xmlns:p="http://schemas.openxmlformats.org/presentationml/2006/main" xmlns:m="http://schemas.openxmlformats.org/officeDocument/2006/math" xmlns:w="http://schemas.openxmlformats.org/wordprocessingml/2006/main" showMasterPhAnim="0" show="1">
-  <p:cSld name="">
-    <p:spTree>
-      <p:nvGrpSpPr>
-        <p:cNvPr id="1" name=""/>
-        <p:cNvGrpSpPr/>
-        <p:nvPr/>
-      </p:nvGrpSpPr>
-      <p:grpSpPr bwMode="auto">
-        <a:xfrm>
-          <a:off x="0" y="0"/>
-          <a:ext cx="0" cy="0"/>
-          <a:chOff x="0" y="0"/>
-          <a:chExt cx="0" cy="0"/>
-        </a:xfrm>
-      </p:grpSpPr>
-      <p:sp>
-        <p:nvSpPr>
-          <p:cNvPr id="315961792" name="Title 1"/>
-          <p:cNvSpPr>
-            <a:spLocks noGrp="1"/>
-          </p:cNvSpPr>
-          <p:nvPr>
-            <p:ph type="title"/>
-          </p:nvPr>
-        </p:nvSpPr>
-        <p:spPr bwMode="auto"/>
-        <p:txBody>
-          <a:bodyPr/>
-          <a:lstStyle/>
-          <a:p>
-            <a:pPr>
-              <a:defRPr/>
-            </a:pPr>
-            <a:r>
-              <a:rPr/>
-              <a:t>Функция </a:t>
-            </a:r>
-            <a:r>
-              <a:rPr lang="en-US" sz="4400" b="0" i="0" u="none" strike="noStrike" cap="none" spc="0">
-                <a:solidFill>
-                  <a:schemeClr val="tx1"/>
-                </a:solidFill>
-                <a:latin typeface="Arial"/>
-                <a:cs typeface="Arial"/>
-              </a:rPr>
-              <a:t>is_kers_collision</a:t>
-            </a:r>
-            <a:r>
-              <a:rPr/>
-              <a:t>()</a:t>
-            </a:r>
-            <a:endParaRPr/>
-          </a:p>
-        </p:txBody>
-      </p:sp>
-      <p:sp>
-        <p:nvSpPr>
-          <p:cNvPr id="571341017" name="Content Placeholder 2"/>
-          <p:cNvSpPr>
-            <a:spLocks noGrp="1"/>
-          </p:cNvSpPr>
-          <p:nvPr>
-            <p:ph idx="1"/>
-          </p:nvPr>
-        </p:nvSpPr>
-        <p:spPr bwMode="auto"/>
-        <p:txBody>
-          <a:bodyPr/>
-          <a:lstStyle/>
-          <a:p>
-            <a:pPr marL="0" indent="0">
-              <a:buFont typeface="Arial"/>
-              <a:buNone/>
-              <a:defRPr/>
-            </a:pPr>
-            <a:r>
-              <a:rPr/>
-              <a:t>Возвращает булево значение. Проверяет, пересекутся ли траектории ядер — если нет, то искать скорость нет смысла.</a:t>
-            </a:r>
-            <a:endParaRPr/>
-          </a:p>
-        </p:txBody>
-      </p:sp>
-    </p:spTree>
-  </p:cSld>
-  <p:clrMapOvr>
-    <a:masterClrMapping/>
-  </p:clrMapOvr>
-  <mc:AlternateContent xmlns:mc="http://schemas.openxmlformats.org/markup-compatibility/2006">
-    <mc:Choice xmlns:p14="http://schemas.microsoft.com/office/powerpoint/2010/main" Requires="p14">
-      <p:transition p14:dur="2000" advClick="1"/>
-    </mc:Choice>
-    <mc:Fallback>
-      <p:transition advClick="1"/>
-    </mc:Fallback>
-  </mc:AlternateContent>
-</p:sld>
-</file>
-
-<file path=ppt/slides/slide6.xml><?xml version="1.0" encoding="utf-8"?>
-<p:sld xmlns:a="http://schemas.openxmlformats.org/drawingml/2006/main" xmlns:r="http://schemas.openxmlformats.org/officeDocument/2006/relationships" xmlns:p="http://schemas.openxmlformats.org/presentationml/2006/main" xmlns:m="http://schemas.openxmlformats.org/officeDocument/2006/math" xmlns:w="http://schemas.openxmlformats.org/wordprocessingml/2006/main" showMasterPhAnim="0" show="1">
-  <p:cSld name="">
-    <p:spTree>
-      <p:nvGrpSpPr>
-        <p:cNvPr id="1" name=""/>
-        <p:cNvGrpSpPr/>
-        <p:nvPr/>
-      </p:nvGrpSpPr>
-      <p:grpSpPr bwMode="auto">
-        <a:xfrm>
-          <a:off x="0" y="0"/>
-          <a:ext cx="0" cy="0"/>
-          <a:chOff x="0" y="0"/>
-          <a:chExt cx="0" cy="0"/>
-        </a:xfrm>
-      </p:grpSpPr>
-      <p:sp>
-        <p:nvSpPr>
-          <p:cNvPr id="1400704777" name="Title 1"/>
-          <p:cNvSpPr>
-            <a:spLocks noGrp="1"/>
-          </p:cNvSpPr>
-          <p:nvPr>
-            <p:ph type="title"/>
-          </p:nvPr>
-        </p:nvSpPr>
-        <p:spPr bwMode="auto"/>
-        <p:txBody>
-          <a:bodyPr/>
-          <a:lstStyle/>
-          <a:p>
-            <a:pPr>
-              <a:defRPr/>
-            </a:pPr>
-            <a:r>
-              <a:rPr/>
-              <a:t>Функция </a:t>
-            </a:r>
-            <a:r>
-              <a:rPr lang="en-US" sz="4400" b="0" i="0" u="none" strike="noStrike" cap="none" spc="0">
-                <a:solidFill>
-                  <a:schemeClr val="tx1"/>
-                </a:solidFill>
-                <a:latin typeface="Arial"/>
-                <a:cs typeface="Arial"/>
-              </a:rPr>
-              <a:t>get_coords</a:t>
-            </a:r>
-            <a:r>
-              <a:rPr/>
-              <a:t>()</a:t>
-            </a:r>
-            <a:endParaRPr/>
-          </a:p>
-        </p:txBody>
-      </p:sp>
-      <p:sp>
-        <p:nvSpPr>
-          <p:cNvPr id="1834222748" name="Content Placeholder 2"/>
-          <p:cNvSpPr>
-            <a:spLocks noGrp="1"/>
-          </p:cNvSpPr>
-          <p:nvPr>
-            <p:ph idx="1"/>
-          </p:nvPr>
-        </p:nvSpPr>
-        <p:spPr bwMode="auto"/>
-        <p:txBody>
-          <a:bodyPr/>
-          <a:lstStyle/>
-          <a:p>
-            <a:pPr marL="0" indent="0">
-              <a:buFont typeface="Arial"/>
-              <a:buNone/>
-              <a:defRPr/>
-            </a:pPr>
-            <a:r>
-              <a:rPr/>
-              <a:t>Возвращает координаты ядер каждый момент до столкновения (затем они записываются в output.csv), необходима для рисования графиков.</a:t>
-            </a:r>
-            <a:endParaRPr/>
-          </a:p>
-        </p:txBody>
-      </p:sp>
-    </p:spTree>
-  </p:cSld>
-  <p:clrMapOvr>
-    <a:masterClrMapping/>
-  </p:clrMapOvr>
-  <mc:AlternateContent xmlns:mc="http://schemas.openxmlformats.org/markup-compatibility/2006">
-    <mc:Choice xmlns:p14="http://schemas.microsoft.com/office/powerpoint/2010/main" Requires="p14">
-      <p:transition p14:dur="2000" advClick="1"/>
-    </mc:Choice>
-    <mc:Fallback>
-      <p:transition advClick="1"/>
-    </mc:Fallback>
-  </mc:AlternateContent>
-</p:sld>
-</file>
-
-<file path=ppt/slides/slide7.xml><?xml version="1.0" encoding="utf-8"?>
-<p:sld xmlns:a="http://schemas.openxmlformats.org/drawingml/2006/main" xmlns:r="http://schemas.openxmlformats.org/officeDocument/2006/relationships" xmlns:p="http://schemas.openxmlformats.org/presentationml/2006/main" xmlns:m="http://schemas.openxmlformats.org/officeDocument/2006/math" xmlns:w="http://schemas.openxmlformats.org/wordprocessingml/2006/main" showMasterPhAnim="0" show="1">
-  <p:cSld name="">
-    <p:spTree>
-      <p:nvGrpSpPr>
-        <p:cNvPr id="1" name=""/>
-        <p:cNvGrpSpPr/>
-        <p:nvPr/>
-      </p:nvGrpSpPr>
-      <p:grpSpPr bwMode="auto">
-        <a:xfrm>
-          <a:off x="0" y="0"/>
-          <a:ext cx="0" cy="0"/>
-          <a:chOff x="0" y="0"/>
-          <a:chExt cx="0" cy="0"/>
-        </a:xfrm>
-      </p:grpSpPr>
-      <p:sp>
-        <p:nvSpPr>
-          <p:cNvPr id="1625878423" name="Title 1"/>
-          <p:cNvSpPr>
-            <a:spLocks noGrp="1"/>
-          </p:cNvSpPr>
-          <p:nvPr>
-            <p:ph type="title"/>
-          </p:nvPr>
-        </p:nvSpPr>
-        <p:spPr bwMode="auto"/>
-        <p:txBody>
-          <a:bodyPr/>
-          <a:lstStyle/>
-          <a:p>
-            <a:pPr>
-              <a:defRPr/>
-            </a:pPr>
-            <a:r>
-              <a:rPr/>
-              <a:t>Основной цикл</a:t>
-            </a:r>
-            <a:endParaRPr/>
-          </a:p>
-        </p:txBody>
-      </p:sp>
-      <p:sp>
-        <p:nvSpPr>
-          <p:cNvPr id="7305374" name="Content Placeholder 2"/>
-          <p:cNvSpPr>
-            <a:spLocks noGrp="1"/>
-          </p:cNvSpPr>
-          <p:nvPr>
-            <p:ph idx="1"/>
-          </p:nvPr>
-        </p:nvSpPr>
-        <p:spPr bwMode="auto"/>
-        <p:txBody>
-          <a:bodyPr/>
-          <a:lstStyle/>
-          <a:p>
-            <a:pPr marL="0" indent="0">
-              <a:buFont typeface="Arial"/>
-              <a:buNone/>
-              <a:defRPr/>
-            </a:pPr>
-            <a:r>
-              <a:rPr/>
-              <a:t>Перебираем возможные координаты скорости второго ядра (вложенный цикл по x и y). Если координаты ядер для данной скорости пересекаются, то выводим смоделированные координаты. И так для каждой подходящей скорости. Нашли следующие возможные:</a:t>
-            </a:r>
-            <a:endParaRPr/>
-          </a:p>
-          <a:p>
-            <a:pPr marL="0" indent="0">
-              <a:buFont typeface="Arial"/>
-              <a:buNone/>
-              <a:defRPr/>
-            </a:pPr>
-            <a:r>
-              <a:rPr/>
-              <a:t>(4, 10), (7, 10), (9, 10).</a:t>
-            </a:r>
-            <a:endParaRPr/>
-          </a:p>
-        </p:txBody>
-      </p:sp>
-    </p:spTree>
-  </p:cSld>
-  <p:clrMapOvr>
-    <a:masterClrMapping/>
-  </p:clrMapOvr>
-  <mc:AlternateContent xmlns:mc="http://schemas.openxmlformats.org/markup-compatibility/2006">
-    <mc:Choice xmlns:p14="http://schemas.microsoft.com/office/powerpoint/2010/main" Requires="p14">
-      <p:transition p14:dur="2000" advClick="1"/>
-    </mc:Choice>
-    <mc:Fallback>
-      <p:transition advClick="1"/>
-    </mc:Fallback>
-  </mc:AlternateContent>
-</p:sld>
-</file>
-
 <file path=ppt/slides/slide8.xml><?xml version="1.0" encoding="utf-8"?>
 <p:sld xmlns:a="http://schemas.openxmlformats.org/drawingml/2006/main" xmlns:r="http://schemas.openxmlformats.org/officeDocument/2006/relationships" xmlns:p="http://schemas.openxmlformats.org/presentationml/2006/main" xmlns:m="http://schemas.openxmlformats.org/officeDocument/2006/math" xmlns:w="http://schemas.openxmlformats.org/wordprocessingml/2006/main" showMasterPhAnim="0" show="1">
   <p:cSld name="">
@@ -5370,7 +5196,7 @@
       </p:grpSpPr>
       <p:sp>
         <p:nvSpPr>
-          <p:cNvPr id="551449094" name="Title 1"/>
+          <p:cNvPr id="143521597" name="Заголовок 1"/>
           <p:cNvSpPr>
             <a:spLocks noGrp="1"/>
           </p:cNvSpPr>
@@ -5388,7 +5214,7 @@
             </a:pPr>
             <a:r>
               <a:rPr/>
-              <a:t>График для (4, 10)</a:t>
+              <a:t>Прочие случаи</a:t>
             </a:r>
             <a:endParaRPr/>
           </a:p>
@@ -5396,7 +5222,7 @@
       </p:sp>
       <p:sp>
         <p:nvSpPr>
-          <p:cNvPr id="412642328" name="Content Placeholder 2"/>
+          <p:cNvPr id="2008346748" name="Объект 2"/>
           <p:cNvSpPr>
             <a:spLocks noGrp="1"/>
           </p:cNvSpPr>
@@ -5409,138 +5235,147 @@
           <a:bodyPr/>
           <a:lstStyle/>
           <a:p>
-            <a:pPr>
-              <a:defRPr/>
-            </a:pPr>
-            <a:endParaRPr/>
-          </a:p>
-        </p:txBody>
-      </p:sp>
-      <p:pic>
-        <p:nvPicPr>
-          <p:cNvPr id="260971465" name=""/>
-          <p:cNvPicPr>
-            <a:picLocks noChangeAspect="1"/>
-          </p:cNvPicPr>
-          <p:nvPr/>
-        </p:nvPicPr>
-        <p:blipFill>
-          <a:blip r:embed="rId2"/>
-          <a:stretch/>
-        </p:blipFill>
-        <p:spPr bwMode="auto">
-          <a:xfrm flipH="0" flipV="0">
-            <a:off x="838198" y="1485106"/>
-            <a:ext cx="8946444" cy="5032374"/>
-          </a:xfrm>
-          <a:prstGeom prst="rect">
-            <a:avLst/>
-          </a:prstGeom>
-        </p:spPr>
-      </p:pic>
-    </p:spTree>
-  </p:cSld>
-  <p:clrMapOvr>
-    <a:masterClrMapping/>
-  </p:clrMapOvr>
-  <mc:AlternateContent xmlns:mc="http://schemas.openxmlformats.org/markup-compatibility/2006">
-    <mc:Choice xmlns:p14="http://schemas.microsoft.com/office/powerpoint/2010/main" Requires="p14">
-      <p:transition p14:dur="2000" advClick="1"/>
-    </mc:Choice>
-    <mc:Fallback>
-      <p:transition advClick="1"/>
-    </mc:Fallback>
-  </mc:AlternateContent>
-</p:sld>
-</file>
-
-<file path=ppt/slides/slide9.xml><?xml version="1.0" encoding="utf-8"?>
-<p:sld xmlns:a="http://schemas.openxmlformats.org/drawingml/2006/main" xmlns:r="http://schemas.openxmlformats.org/officeDocument/2006/relationships" xmlns:p="http://schemas.openxmlformats.org/presentationml/2006/main" xmlns:m="http://schemas.openxmlformats.org/officeDocument/2006/math" xmlns:w="http://schemas.openxmlformats.org/wordprocessingml/2006/main" showMasterPhAnim="0" show="1">
-  <p:cSld name="">
-    <p:spTree>
-      <p:nvGrpSpPr>
-        <p:cNvPr id="1" name=""/>
-        <p:cNvGrpSpPr/>
-        <p:nvPr/>
-      </p:nvGrpSpPr>
-      <p:grpSpPr bwMode="auto">
-        <a:xfrm>
-          <a:off x="0" y="0"/>
-          <a:ext cx="0" cy="0"/>
-          <a:chOff x="0" y="0"/>
-          <a:chExt cx="0" cy="0"/>
-        </a:xfrm>
-      </p:grpSpPr>
-      <p:sp>
-        <p:nvSpPr>
-          <p:cNvPr id="557304888" name="Title 1"/>
-          <p:cNvSpPr>
-            <a:spLocks noGrp="1"/>
-          </p:cNvSpPr>
-          <p:nvPr>
-            <p:ph type="title"/>
-          </p:nvPr>
-        </p:nvSpPr>
-        <p:spPr bwMode="auto"/>
-        <p:txBody>
-          <a:bodyPr/>
-          <a:lstStyle/>
-          <a:p>
-            <a:pPr>
+            <a:pPr marL="0" indent="0">
+              <a:buFont typeface="Arial"/>
+              <a:buNone/>
               <a:defRPr/>
             </a:pPr>
             <a:r>
               <a:rPr/>
-              <a:t>График для (7, 10)</a:t>
-            </a:r>
-            <a:endParaRPr/>
-          </a:p>
-        </p:txBody>
-      </p:sp>
-      <p:sp>
-        <p:nvSpPr>
-          <p:cNvPr id="2083505558" name="Content Placeholder 2"/>
-          <p:cNvSpPr>
-            <a:spLocks noGrp="1"/>
-          </p:cNvSpPr>
-          <p:nvPr>
-            <p:ph idx="1"/>
-          </p:nvPr>
-        </p:nvSpPr>
-        <p:spPr bwMode="auto"/>
-        <p:txBody>
-          <a:bodyPr/>
-          <a:lstStyle/>
-          <a:p>
-            <a:pPr>
-              <a:defRPr/>
-            </a:pPr>
-            <a:endParaRPr/>
-          </a:p>
-        </p:txBody>
-      </p:sp>
-      <p:pic>
-        <p:nvPicPr>
-          <p:cNvPr id="79126186" name=""/>
-          <p:cNvPicPr>
-            <a:picLocks noChangeAspect="1"/>
-          </p:cNvPicPr>
-          <p:nvPr/>
-        </p:nvPicPr>
-        <p:blipFill>
-          <a:blip r:embed="rId2"/>
-          <a:stretch/>
-        </p:blipFill>
-        <p:spPr bwMode="auto">
-          <a:xfrm flipH="0" flipV="0">
-            <a:off x="889821" y="1572087"/>
-            <a:ext cx="8710104" cy="4899434"/>
-          </a:xfrm>
-          <a:prstGeom prst="rect">
-            <a:avLst/>
-          </a:prstGeom>
-        </p:spPr>
-      </p:pic>
+              <a:t>Функция </a:t>
+            </a:r>
+            <a:r>
+              <a:rPr lang="en-US" sz="3200" b="0" i="0" u="none" strike="noStrike" cap="none" spc="0">
+                <a:solidFill>
+                  <a:schemeClr val="tx1"/>
+                </a:solidFill>
+                <a:latin typeface="Arial"/>
+                <a:ea typeface="Arial"/>
+                <a:cs typeface="Arial"/>
+              </a:rPr>
+              <a:t>is_kers_collision</a:t>
+            </a:r>
+            <a:r>
+              <a:rPr lang="en-US" sz="3200" b="0" i="0" u="none" strike="noStrike" cap="none" spc="0">
+                <a:solidFill>
+                  <a:schemeClr val="tx1"/>
+                </a:solidFill>
+                <a:latin typeface="+mn-lt"/>
+                <a:ea typeface="+mn-ea"/>
+                <a:cs typeface="+mn-cs"/>
+              </a:rPr>
+              <a:t>() регулирует, пересекутся ли траектории ядер. Для:</a:t>
+            </a:r>
+            <a:endParaRPr lang="en-US" sz="3200" b="0" i="0" u="none" strike="noStrike" cap="none" spc="0">
+              <a:solidFill>
+                <a:schemeClr val="tx1"/>
+              </a:solidFill>
+              <a:latin typeface="Times New Roman"/>
+              <a:cs typeface="Times New Roman"/>
+            </a:endParaRPr>
+          </a:p>
+          <a:p>
+            <a:pPr marL="0" indent="0">
+              <a:buFont typeface="Arial"/>
+              <a:buNone/>
+              <a:defRPr/>
+            </a:pPr>
+            <a:r>
+              <a:rPr lang="en-US" sz="3200" b="0" i="0" u="none" strike="noStrike" cap="none" spc="0">
+                <a:solidFill>
+                  <a:schemeClr val="tx1"/>
+                </a:solidFill>
+                <a:latin typeface="Arial"/>
+                <a:ea typeface="Arial"/>
+                <a:cs typeface="Arial"/>
+              </a:rPr>
+              <a:t>	- ядра летят в противоположные стороны;</a:t>
+            </a:r>
+            <a:endParaRPr lang="en-US" sz="3200" b="0" i="0" u="none" strike="noStrike" cap="none" spc="0">
+              <a:solidFill>
+                <a:schemeClr val="tx1"/>
+              </a:solidFill>
+              <a:latin typeface="Times New Roman"/>
+              <a:cs typeface="Times New Roman"/>
+            </a:endParaRPr>
+          </a:p>
+          <a:p>
+            <a:pPr marL="0" indent="0">
+              <a:buFont typeface="Arial"/>
+              <a:buNone/>
+              <a:defRPr/>
+            </a:pPr>
+            <a:r>
+              <a:rPr lang="en-US" sz="3200" b="0" i="0" u="none" strike="noStrike" cap="none" spc="0">
+                <a:solidFill>
+                  <a:schemeClr val="tx1"/>
+                </a:solidFill>
+                <a:latin typeface="Arial"/>
+                <a:ea typeface="Arial"/>
+                <a:cs typeface="Arial"/>
+              </a:rPr>
+              <a:t>	- ядра не пересекаются;</a:t>
+            </a:r>
+            <a:endParaRPr lang="en-US" sz="3200" b="0" i="0" u="none" strike="noStrike" cap="none" spc="0">
+              <a:solidFill>
+                <a:schemeClr val="tx1"/>
+              </a:solidFill>
+              <a:latin typeface="Times New Roman"/>
+              <a:cs typeface="Times New Roman"/>
+            </a:endParaRPr>
+          </a:p>
+          <a:p>
+            <a:pPr marL="0" indent="0">
+              <a:buFont typeface="Arial"/>
+              <a:buNone/>
+              <a:defRPr/>
+            </a:pPr>
+            <a:r>
+              <a:rPr lang="en-US" sz="3200" b="0" i="0" u="none" strike="noStrike" cap="none" spc="0">
+                <a:solidFill>
+                  <a:schemeClr val="tx1"/>
+                </a:solidFill>
+                <a:latin typeface="Arial"/>
+                <a:ea typeface="Arial"/>
+                <a:cs typeface="Arial"/>
+              </a:rPr>
+              <a:t>	- пушки в одном месте</a:t>
+            </a:r>
+            <a:endParaRPr lang="en-US" sz="3200" b="0" i="0" u="none" strike="noStrike" cap="none" spc="0">
+              <a:solidFill>
+                <a:schemeClr val="tx1"/>
+              </a:solidFill>
+              <a:latin typeface="Times New Roman"/>
+              <a:cs typeface="Times New Roman"/>
+            </a:endParaRPr>
+          </a:p>
+          <a:p>
+            <a:pPr marL="0" indent="0">
+              <a:buFont typeface="Arial"/>
+              <a:buNone/>
+              <a:defRPr/>
+            </a:pPr>
+            <a:r>
+              <a:rPr lang="en-US" sz="3200" b="0" i="0" u="none" strike="noStrike" cap="none" spc="0">
+                <a:solidFill>
+                  <a:schemeClr val="tx1"/>
+                </a:solidFill>
+                <a:latin typeface="Arial"/>
+                <a:ea typeface="Arial"/>
+                <a:cs typeface="Arial"/>
+              </a:rPr>
+              <a:t>— имеем значение false.</a:t>
+            </a:r>
+            <a:endParaRPr lang="en-US" sz="3200" b="0" i="0" u="none" strike="noStrike" cap="none" spc="0">
+              <a:solidFill>
+                <a:schemeClr val="tx1"/>
+              </a:solidFill>
+              <a:latin typeface="Times New Roman"/>
+              <a:cs typeface="Times New Roman"/>
+            </a:endParaRPr>
+          </a:p>
+        </p:txBody>
+      </p:sp>
     </p:spTree>
   </p:cSld>
   <p:clrMapOvr>
